--- a/gon/범죄분석 피피티_템블릿_정명곤.pptx
+++ b/gon/범죄분석 피피티_템블릿_정명곤.pptx
@@ -114,6 +114,11 @@
       </a:defRPr>
     </a:lvl9pPr>
   </p:defaultTextStyle>
+  <p:extLst>
+    <p:ext uri="{EFAFB233-063F-42B5-8137-9DF3F51BA10A}">
+      <p15:sldGuideLst xmlns:p15="http://schemas.microsoft.com/office/powerpoint/2012/main"/>
+    </p:ext>
+  </p:extLst>
 </p:presentation>
 </file>
 
@@ -264,7 +269,7 @@
           <a:p>
             <a:fld id="{CAA7FE33-B25C-430A-A5D6-A0F61D2065FC}" type="datetimeFigureOut">
               <a:rPr lang="ko-KR" altLang="en-US" smtClean="0"/>
-              <a:t>2021-04-24</a:t>
+              <a:t>2021-04-26</a:t>
             </a:fld>
             <a:endParaRPr lang="ko-KR" altLang="en-US"/>
           </a:p>
@@ -462,7 +467,7 @@
           <a:p>
             <a:fld id="{CAA7FE33-B25C-430A-A5D6-A0F61D2065FC}" type="datetimeFigureOut">
               <a:rPr lang="ko-KR" altLang="en-US" smtClean="0"/>
-              <a:t>2021-04-24</a:t>
+              <a:t>2021-04-26</a:t>
             </a:fld>
             <a:endParaRPr lang="ko-KR" altLang="en-US"/>
           </a:p>
@@ -670,7 +675,7 @@
           <a:p>
             <a:fld id="{CAA7FE33-B25C-430A-A5D6-A0F61D2065FC}" type="datetimeFigureOut">
               <a:rPr lang="ko-KR" altLang="en-US" smtClean="0"/>
-              <a:t>2021-04-24</a:t>
+              <a:t>2021-04-26</a:t>
             </a:fld>
             <a:endParaRPr lang="ko-KR" altLang="en-US"/>
           </a:p>
@@ -868,7 +873,7 @@
           <a:p>
             <a:fld id="{CAA7FE33-B25C-430A-A5D6-A0F61D2065FC}" type="datetimeFigureOut">
               <a:rPr lang="ko-KR" altLang="en-US" smtClean="0"/>
-              <a:t>2021-04-24</a:t>
+              <a:t>2021-04-26</a:t>
             </a:fld>
             <a:endParaRPr lang="ko-KR" altLang="en-US"/>
           </a:p>
@@ -1143,7 +1148,7 @@
           <a:p>
             <a:fld id="{CAA7FE33-B25C-430A-A5D6-A0F61D2065FC}" type="datetimeFigureOut">
               <a:rPr lang="ko-KR" altLang="en-US" smtClean="0"/>
-              <a:t>2021-04-24</a:t>
+              <a:t>2021-04-26</a:t>
             </a:fld>
             <a:endParaRPr lang="ko-KR" altLang="en-US"/>
           </a:p>
@@ -1408,7 +1413,7 @@
           <a:p>
             <a:fld id="{CAA7FE33-B25C-430A-A5D6-A0F61D2065FC}" type="datetimeFigureOut">
               <a:rPr lang="ko-KR" altLang="en-US" smtClean="0"/>
-              <a:t>2021-04-24</a:t>
+              <a:t>2021-04-26</a:t>
             </a:fld>
             <a:endParaRPr lang="ko-KR" altLang="en-US"/>
           </a:p>
@@ -1820,7 +1825,7 @@
           <a:p>
             <a:fld id="{CAA7FE33-B25C-430A-A5D6-A0F61D2065FC}" type="datetimeFigureOut">
               <a:rPr lang="ko-KR" altLang="en-US" smtClean="0"/>
-              <a:t>2021-04-24</a:t>
+              <a:t>2021-04-26</a:t>
             </a:fld>
             <a:endParaRPr lang="ko-KR" altLang="en-US"/>
           </a:p>
@@ -1961,7 +1966,7 @@
           <a:p>
             <a:fld id="{CAA7FE33-B25C-430A-A5D6-A0F61D2065FC}" type="datetimeFigureOut">
               <a:rPr lang="ko-KR" altLang="en-US" smtClean="0"/>
-              <a:t>2021-04-24</a:t>
+              <a:t>2021-04-26</a:t>
             </a:fld>
             <a:endParaRPr lang="ko-KR" altLang="en-US"/>
           </a:p>
@@ -2074,7 +2079,7 @@
           <a:p>
             <a:fld id="{CAA7FE33-B25C-430A-A5D6-A0F61D2065FC}" type="datetimeFigureOut">
               <a:rPr lang="ko-KR" altLang="en-US" smtClean="0"/>
-              <a:t>2021-04-24</a:t>
+              <a:t>2021-04-26</a:t>
             </a:fld>
             <a:endParaRPr lang="ko-KR" altLang="en-US"/>
           </a:p>
@@ -2385,7 +2390,7 @@
           <a:p>
             <a:fld id="{CAA7FE33-B25C-430A-A5D6-A0F61D2065FC}" type="datetimeFigureOut">
               <a:rPr lang="ko-KR" altLang="en-US" smtClean="0"/>
-              <a:t>2021-04-24</a:t>
+              <a:t>2021-04-26</a:t>
             </a:fld>
             <a:endParaRPr lang="ko-KR" altLang="en-US"/>
           </a:p>
@@ -2673,7 +2678,7 @@
           <a:p>
             <a:fld id="{CAA7FE33-B25C-430A-A5D6-A0F61D2065FC}" type="datetimeFigureOut">
               <a:rPr lang="ko-KR" altLang="en-US" smtClean="0"/>
-              <a:t>2021-04-24</a:t>
+              <a:t>2021-04-26</a:t>
             </a:fld>
             <a:endParaRPr lang="ko-KR" altLang="en-US"/>
           </a:p>
@@ -2914,7 +2919,7 @@
           <a:p>
             <a:fld id="{CAA7FE33-B25C-430A-A5D6-A0F61D2065FC}" type="datetimeFigureOut">
               <a:rPr lang="ko-KR" altLang="en-US" smtClean="0"/>
-              <a:t>2021-04-24</a:t>
+              <a:t>2021-04-26</a:t>
             </a:fld>
             <a:endParaRPr lang="ko-KR" altLang="en-US"/>
           </a:p>
@@ -3673,13 +3678,7 @@
       </p:sp>
       <p:pic>
         <p:nvPicPr>
-          <p:cNvPr id="10" name="그림 9">
-            <a:extLst>
-              <a:ext uri="{FF2B5EF4-FFF2-40B4-BE49-F238E27FC236}">
-                <a16:creationId xmlns:a16="http://schemas.microsoft.com/office/drawing/2014/main" id="{BF47E5AE-D6DB-4E90-93F0-7F07C8594382}"/>
-              </a:ext>
-            </a:extLst>
-          </p:cNvPr>
+          <p:cNvPr id="2" name="그림 1"/>
           <p:cNvPicPr>
             <a:picLocks noChangeAspect="1"/>
           </p:cNvPicPr>
@@ -3699,7 +3698,7 @@
         </p:blipFill>
         <p:spPr>
           <a:xfrm>
-            <a:off x="0" y="-79895"/>
+            <a:off x="0" y="0"/>
             <a:ext cx="10800000" cy="5760000"/>
           </a:xfrm>
           <a:prstGeom prst="rect">
@@ -3737,42 +3736,6 @@
           <a:chExt cx="0" cy="0"/>
         </a:xfrm>
       </p:grpSpPr>
-      <p:pic>
-        <p:nvPicPr>
-          <p:cNvPr id="7" name="그림 6">
-            <a:extLst>
-              <a:ext uri="{FF2B5EF4-FFF2-40B4-BE49-F238E27FC236}">
-                <a16:creationId xmlns:a16="http://schemas.microsoft.com/office/drawing/2014/main" id="{F97D44EE-0959-495E-B69B-C2C80884CF0A}"/>
-              </a:ext>
-            </a:extLst>
-          </p:cNvPr>
-          <p:cNvPicPr>
-            <a:picLocks noChangeAspect="1"/>
-          </p:cNvPicPr>
-          <p:nvPr/>
-        </p:nvPicPr>
-        <p:blipFill>
-          <a:blip r:embed="rId2">
-            <a:extLst>
-              <a:ext uri="{28A0092B-C50C-407E-A947-70E740481C1C}">
-                <a14:useLocalDpi xmlns:a14="http://schemas.microsoft.com/office/drawing/2010/main" val="0"/>
-              </a:ext>
-            </a:extLst>
-          </a:blip>
-          <a:stretch>
-            <a:fillRect/>
-          </a:stretch>
-        </p:blipFill>
-        <p:spPr>
-          <a:xfrm>
-            <a:off x="452283" y="0"/>
-            <a:ext cx="10800000" cy="5760000"/>
-          </a:xfrm>
-          <a:prstGeom prst="rect">
-            <a:avLst/>
-          </a:prstGeom>
-        </p:spPr>
-      </p:pic>
       <p:sp>
         <p:nvSpPr>
           <p:cNvPr id="8" name="TextBox 7">
@@ -3950,27 +3913,7 @@
                 <a:latin typeface="타이포_씨고딕 180" panose="02020503020101020101" pitchFamily="18" charset="-127"/>
                 <a:ea typeface="타이포_씨고딕 180" panose="02020503020101020101" pitchFamily="18" charset="-127"/>
               </a:rPr>
-              <a:t>인 가구수와 범죄 피해율은 약한 상관 </a:t>
-            </a:r>
-            <a:r>
-              <a:rPr lang="ko-KR" altLang="en-US">
-                <a:solidFill>
-                  <a:srgbClr val="000000"/>
-                </a:solidFill>
-                <a:latin typeface="타이포_씨고딕 180" panose="02020503020101020101" pitchFamily="18" charset="-127"/>
-                <a:ea typeface="타이포_씨고딕 180" panose="02020503020101020101" pitchFamily="18" charset="-127"/>
-              </a:rPr>
-              <a:t>관계가 있는 것 </a:t>
-            </a:r>
-            <a:r>
-              <a:rPr lang="ko-KR" altLang="en-US" dirty="0">
-                <a:solidFill>
-                  <a:srgbClr val="000000"/>
-                </a:solidFill>
-                <a:latin typeface="타이포_씨고딕 180" panose="02020503020101020101" pitchFamily="18" charset="-127"/>
-                <a:ea typeface="타이포_씨고딕 180" panose="02020503020101020101" pitchFamily="18" charset="-127"/>
-              </a:rPr>
-              <a:t>으로 보입니다</a:t>
+              <a:t>인 가구수와 범죄 피해율은 약한 상관 관계가 있는 것 으로 보입니다</a:t>
             </a:r>
             <a:r>
               <a:rPr lang="en-US" altLang="ko-KR" dirty="0">
@@ -3985,6 +3928,36 @@
           </a:p>
         </p:txBody>
       </p:sp>
+      <p:pic>
+        <p:nvPicPr>
+          <p:cNvPr id="2" name="그림 1"/>
+          <p:cNvPicPr>
+            <a:picLocks noChangeAspect="1"/>
+          </p:cNvPicPr>
+          <p:nvPr/>
+        </p:nvPicPr>
+        <p:blipFill>
+          <a:blip r:embed="rId2">
+            <a:extLst>
+              <a:ext uri="{28A0092B-C50C-407E-A947-70E740481C1C}">
+                <a14:useLocalDpi xmlns:a14="http://schemas.microsoft.com/office/drawing/2010/main" val="0"/>
+              </a:ext>
+            </a:extLst>
+          </a:blip>
+          <a:stretch>
+            <a:fillRect/>
+          </a:stretch>
+        </p:blipFill>
+        <p:spPr>
+          <a:xfrm>
+            <a:off x="0" y="46791"/>
+            <a:ext cx="10800000" cy="5760000"/>
+          </a:xfrm>
+          <a:prstGeom prst="rect">
+            <a:avLst/>
+          </a:prstGeom>
+        </p:spPr>
+      </p:pic>
     </p:spTree>
     <p:extLst>
       <p:ext uri="{BB962C8B-B14F-4D97-AF65-F5344CB8AC3E}">
@@ -4165,42 +4138,6 @@
           </a:p>
         </p:txBody>
       </p:sp>
-      <p:pic>
-        <p:nvPicPr>
-          <p:cNvPr id="12" name="그림 11">
-            <a:extLst>
-              <a:ext uri="{FF2B5EF4-FFF2-40B4-BE49-F238E27FC236}">
-                <a16:creationId xmlns:a16="http://schemas.microsoft.com/office/drawing/2014/main" id="{BCE62584-ABCF-4B24-9EE5-B1999ABF1139}"/>
-              </a:ext>
-            </a:extLst>
-          </p:cNvPr>
-          <p:cNvPicPr>
-            <a:picLocks noChangeAspect="1"/>
-          </p:cNvPicPr>
-          <p:nvPr/>
-        </p:nvPicPr>
-        <p:blipFill>
-          <a:blip r:embed="rId2">
-            <a:extLst>
-              <a:ext uri="{28A0092B-C50C-407E-A947-70E740481C1C}">
-                <a14:useLocalDpi xmlns:a14="http://schemas.microsoft.com/office/drawing/2010/main" val="0"/>
-              </a:ext>
-            </a:extLst>
-          </a:blip>
-          <a:stretch>
-            <a:fillRect/>
-          </a:stretch>
-        </p:blipFill>
-        <p:spPr>
-          <a:xfrm>
-            <a:off x="0" y="0"/>
-            <a:ext cx="12192000" cy="4644571"/>
-          </a:xfrm>
-          <a:prstGeom prst="rect">
-            <a:avLst/>
-          </a:prstGeom>
-        </p:spPr>
-      </p:pic>
       <p:graphicFrame>
         <p:nvGraphicFramePr>
           <p:cNvPr id="14" name="표 13">
@@ -4770,6 +4707,36 @@
           </a:graphicData>
         </a:graphic>
       </p:graphicFrame>
+      <p:pic>
+        <p:nvPicPr>
+          <p:cNvPr id="3" name="그림 2"/>
+          <p:cNvPicPr>
+            <a:picLocks noChangeAspect="1"/>
+          </p:cNvPicPr>
+          <p:nvPr/>
+        </p:nvPicPr>
+        <p:blipFill>
+          <a:blip r:embed="rId2">
+            <a:extLst>
+              <a:ext uri="{28A0092B-C50C-407E-A947-70E740481C1C}">
+                <a14:useLocalDpi xmlns:a14="http://schemas.microsoft.com/office/drawing/2010/main" val="0"/>
+              </a:ext>
+            </a:extLst>
+          </a:blip>
+          <a:stretch>
+            <a:fillRect/>
+          </a:stretch>
+        </p:blipFill>
+        <p:spPr>
+          <a:xfrm>
+            <a:off x="0" y="154736"/>
+            <a:ext cx="12192000" cy="4644571"/>
+          </a:xfrm>
+          <a:prstGeom prst="rect">
+            <a:avLst/>
+          </a:prstGeom>
+        </p:spPr>
+      </p:pic>
     </p:spTree>
     <p:extLst>
       <p:ext uri="{BB962C8B-B14F-4D97-AF65-F5344CB8AC3E}">
@@ -6683,42 +6650,6 @@
           <a:chExt cx="0" cy="0"/>
         </a:xfrm>
       </p:grpSpPr>
-      <p:pic>
-        <p:nvPicPr>
-          <p:cNvPr id="3" name="그림 2">
-            <a:extLst>
-              <a:ext uri="{FF2B5EF4-FFF2-40B4-BE49-F238E27FC236}">
-                <a16:creationId xmlns:a16="http://schemas.microsoft.com/office/drawing/2014/main" id="{9388A2F1-FDE0-4862-9A95-C366255DF5FC}"/>
-              </a:ext>
-            </a:extLst>
-          </p:cNvPr>
-          <p:cNvPicPr>
-            <a:picLocks noChangeAspect="1"/>
-          </p:cNvPicPr>
-          <p:nvPr/>
-        </p:nvPicPr>
-        <p:blipFill>
-          <a:blip r:embed="rId2">
-            <a:extLst>
-              <a:ext uri="{28A0092B-C50C-407E-A947-70E740481C1C}">
-                <a14:useLocalDpi xmlns:a14="http://schemas.microsoft.com/office/drawing/2010/main" val="0"/>
-              </a:ext>
-            </a:extLst>
-          </a:blip>
-          <a:stretch>
-            <a:fillRect/>
-          </a:stretch>
-        </p:blipFill>
-        <p:spPr>
-          <a:xfrm>
-            <a:off x="-448887" y="0"/>
-            <a:ext cx="12192000" cy="4644571"/>
-          </a:xfrm>
-          <a:prstGeom prst="rect">
-            <a:avLst/>
-          </a:prstGeom>
-        </p:spPr>
-      </p:pic>
       <p:sp>
         <p:nvSpPr>
           <p:cNvPr id="5" name="TextBox 4">
@@ -7048,6 +6979,36 @@
           </a:p>
         </p:txBody>
       </p:sp>
+      <p:pic>
+        <p:nvPicPr>
+          <p:cNvPr id="4" name="그림 3"/>
+          <p:cNvPicPr>
+            <a:picLocks noChangeAspect="1"/>
+          </p:cNvPicPr>
+          <p:nvPr/>
+        </p:nvPicPr>
+        <p:blipFill>
+          <a:blip r:embed="rId2">
+            <a:extLst>
+              <a:ext uri="{28A0092B-C50C-407E-A947-70E740481C1C}">
+                <a14:useLocalDpi xmlns:a14="http://schemas.microsoft.com/office/drawing/2010/main" val="0"/>
+              </a:ext>
+            </a:extLst>
+          </a:blip>
+          <a:stretch>
+            <a:fillRect/>
+          </a:stretch>
+        </p:blipFill>
+        <p:spPr>
+          <a:xfrm>
+            <a:off x="-275573" y="0"/>
+            <a:ext cx="12192000" cy="4644571"/>
+          </a:xfrm>
+          <a:prstGeom prst="rect">
+            <a:avLst/>
+          </a:prstGeom>
+        </p:spPr>
+      </p:pic>
     </p:spTree>
     <p:extLst>
       <p:ext uri="{BB962C8B-B14F-4D97-AF65-F5344CB8AC3E}">
@@ -7287,42 +7248,6 @@
           <a:chExt cx="0" cy="0"/>
         </a:xfrm>
       </p:grpSpPr>
-      <p:pic>
-        <p:nvPicPr>
-          <p:cNvPr id="5" name="그림 4">
-            <a:extLst>
-              <a:ext uri="{FF2B5EF4-FFF2-40B4-BE49-F238E27FC236}">
-                <a16:creationId xmlns:a16="http://schemas.microsoft.com/office/drawing/2014/main" id="{1F2FA349-8A51-44F7-9991-B7F6734B6B36}"/>
-              </a:ext>
-            </a:extLst>
-          </p:cNvPr>
-          <p:cNvPicPr>
-            <a:picLocks noChangeAspect="1"/>
-          </p:cNvPicPr>
-          <p:nvPr/>
-        </p:nvPicPr>
-        <p:blipFill>
-          <a:blip r:embed="rId2">
-            <a:extLst>
-              <a:ext uri="{28A0092B-C50C-407E-A947-70E740481C1C}">
-                <a14:useLocalDpi xmlns:a14="http://schemas.microsoft.com/office/drawing/2010/main" val="0"/>
-              </a:ext>
-            </a:extLst>
-          </a:blip>
-          <a:stretch>
-            <a:fillRect/>
-          </a:stretch>
-        </p:blipFill>
-        <p:spPr>
-          <a:xfrm>
-            <a:off x="0" y="-137652"/>
-            <a:ext cx="12192000" cy="5997678"/>
-          </a:xfrm>
-          <a:prstGeom prst="rect">
-            <a:avLst/>
-          </a:prstGeom>
-        </p:spPr>
-      </p:pic>
       <p:sp>
         <p:nvSpPr>
           <p:cNvPr id="6" name="TextBox 5">
@@ -7472,6 +7397,36 @@
           </a:p>
         </p:txBody>
       </p:sp>
+      <p:pic>
+        <p:nvPicPr>
+          <p:cNvPr id="2" name="그림 1"/>
+          <p:cNvPicPr>
+            <a:picLocks noChangeAspect="1"/>
+          </p:cNvPicPr>
+          <p:nvPr/>
+        </p:nvPicPr>
+        <p:blipFill>
+          <a:blip r:embed="rId2">
+            <a:extLst>
+              <a:ext uri="{28A0092B-C50C-407E-A947-70E740481C1C}">
+                <a14:useLocalDpi xmlns:a14="http://schemas.microsoft.com/office/drawing/2010/main" val="0"/>
+              </a:ext>
+            </a:extLst>
+          </a:blip>
+          <a:stretch>
+            <a:fillRect/>
+          </a:stretch>
+        </p:blipFill>
+        <p:spPr>
+          <a:xfrm>
+            <a:off x="379239" y="186876"/>
+            <a:ext cx="10800000" cy="5760000"/>
+          </a:xfrm>
+          <a:prstGeom prst="rect">
+            <a:avLst/>
+          </a:prstGeom>
+        </p:spPr>
+      </p:pic>
     </p:spTree>
     <p:extLst>
       <p:ext uri="{BB962C8B-B14F-4D97-AF65-F5344CB8AC3E}">
@@ -7540,42 +7495,6 @@
           </a:p>
         </p:txBody>
       </p:sp>
-      <p:pic>
-        <p:nvPicPr>
-          <p:cNvPr id="6" name="그림 5">
-            <a:extLst>
-              <a:ext uri="{FF2B5EF4-FFF2-40B4-BE49-F238E27FC236}">
-                <a16:creationId xmlns:a16="http://schemas.microsoft.com/office/drawing/2014/main" id="{2930076E-E24F-459A-A47A-C639A8F0EEF2}"/>
-              </a:ext>
-            </a:extLst>
-          </p:cNvPr>
-          <p:cNvPicPr>
-            <a:picLocks noChangeAspect="1"/>
-          </p:cNvPicPr>
-          <p:nvPr/>
-        </p:nvPicPr>
-        <p:blipFill>
-          <a:blip r:embed="rId2">
-            <a:extLst>
-              <a:ext uri="{28A0092B-C50C-407E-A947-70E740481C1C}">
-                <a14:useLocalDpi xmlns:a14="http://schemas.microsoft.com/office/drawing/2010/main" val="0"/>
-              </a:ext>
-            </a:extLst>
-          </a:blip>
-          <a:stretch>
-            <a:fillRect/>
-          </a:stretch>
-        </p:blipFill>
-        <p:spPr>
-          <a:xfrm>
-            <a:off x="0" y="-229527"/>
-            <a:ext cx="11205000" cy="5774115"/>
-          </a:xfrm>
-          <a:prstGeom prst="rect">
-            <a:avLst/>
-          </a:prstGeom>
-        </p:spPr>
-      </p:pic>
       <p:sp>
         <p:nvSpPr>
           <p:cNvPr id="7" name="TextBox 6">
@@ -7705,6 +7624,36 @@
           </a:p>
         </p:txBody>
       </p:sp>
+      <p:pic>
+        <p:nvPicPr>
+          <p:cNvPr id="2" name="그림 1"/>
+          <p:cNvPicPr>
+            <a:picLocks noChangeAspect="1"/>
+          </p:cNvPicPr>
+          <p:nvPr/>
+        </p:nvPicPr>
+        <p:blipFill>
+          <a:blip r:embed="rId2">
+            <a:extLst>
+              <a:ext uri="{28A0092B-C50C-407E-A947-70E740481C1C}">
+                <a14:useLocalDpi xmlns:a14="http://schemas.microsoft.com/office/drawing/2010/main" val="0"/>
+              </a:ext>
+            </a:extLst>
+          </a:blip>
+          <a:stretch>
+            <a:fillRect/>
+          </a:stretch>
+        </p:blipFill>
+        <p:spPr>
+          <a:xfrm>
+            <a:off x="0" y="0"/>
+            <a:ext cx="10174778" cy="5426548"/>
+          </a:xfrm>
+          <a:prstGeom prst="rect">
+            <a:avLst/>
+          </a:prstGeom>
+        </p:spPr>
+      </p:pic>
     </p:spTree>
     <p:extLst>
       <p:ext uri="{BB962C8B-B14F-4D97-AF65-F5344CB8AC3E}">
@@ -7860,13 +7809,7 @@
       </p:sp>
       <p:pic>
         <p:nvPicPr>
-          <p:cNvPr id="8" name="그림 7">
-            <a:extLst>
-              <a:ext uri="{FF2B5EF4-FFF2-40B4-BE49-F238E27FC236}">
-                <a16:creationId xmlns:a16="http://schemas.microsoft.com/office/drawing/2014/main" id="{CD9109D1-D28F-455E-9428-98DE06A19BC8}"/>
-              </a:ext>
-            </a:extLst>
-          </p:cNvPr>
+          <p:cNvPr id="2" name="그림 1"/>
           <p:cNvPicPr>
             <a:picLocks noChangeAspect="1"/>
           </p:cNvPicPr>
@@ -7886,7 +7829,7 @@
         </p:blipFill>
         <p:spPr>
           <a:xfrm>
-            <a:off x="0" y="-28678"/>
+            <a:off x="0" y="0"/>
             <a:ext cx="10800000" cy="5760000"/>
           </a:xfrm>
           <a:prstGeom prst="rect">
